--- a/liceu/3semestre/projeto integrador/Banner tcc.pptx
+++ b/liceu/3semestre/projeto integrador/Banner tcc.pptx
@@ -243,7 +243,7 @@
           <a:p>
             <a:fld id="{EE38784C-7122-485F-8BC7-E99E888B41F8}" type="datetimeFigureOut">
               <a:rPr lang="pt-BR" smtClean="0"/>
-              <a:t>27/05/2025</a:t>
+              <a:t>28/05/2025</a:t>
             </a:fld>
             <a:endParaRPr lang="pt-BR"/>
           </a:p>
@@ -413,7 +413,7 @@
           <a:p>
             <a:fld id="{EE38784C-7122-485F-8BC7-E99E888B41F8}" type="datetimeFigureOut">
               <a:rPr lang="pt-BR" smtClean="0"/>
-              <a:t>27/05/2025</a:t>
+              <a:t>28/05/2025</a:t>
             </a:fld>
             <a:endParaRPr lang="pt-BR"/>
           </a:p>
@@ -593,7 +593,7 @@
           <a:p>
             <a:fld id="{EE38784C-7122-485F-8BC7-E99E888B41F8}" type="datetimeFigureOut">
               <a:rPr lang="pt-BR" smtClean="0"/>
-              <a:t>27/05/2025</a:t>
+              <a:t>28/05/2025</a:t>
             </a:fld>
             <a:endParaRPr lang="pt-BR"/>
           </a:p>
@@ -763,7 +763,7 @@
           <a:p>
             <a:fld id="{EE38784C-7122-485F-8BC7-E99E888B41F8}" type="datetimeFigureOut">
               <a:rPr lang="pt-BR" smtClean="0"/>
-              <a:t>27/05/2025</a:t>
+              <a:t>28/05/2025</a:t>
             </a:fld>
             <a:endParaRPr lang="pt-BR"/>
           </a:p>
@@ -1007,7 +1007,7 @@
           <a:p>
             <a:fld id="{EE38784C-7122-485F-8BC7-E99E888B41F8}" type="datetimeFigureOut">
               <a:rPr lang="pt-BR" smtClean="0"/>
-              <a:t>27/05/2025</a:t>
+              <a:t>28/05/2025</a:t>
             </a:fld>
             <a:endParaRPr lang="pt-BR"/>
           </a:p>
@@ -1239,7 +1239,7 @@
           <a:p>
             <a:fld id="{EE38784C-7122-485F-8BC7-E99E888B41F8}" type="datetimeFigureOut">
               <a:rPr lang="pt-BR" smtClean="0"/>
-              <a:t>27/05/2025</a:t>
+              <a:t>28/05/2025</a:t>
             </a:fld>
             <a:endParaRPr lang="pt-BR"/>
           </a:p>
@@ -1606,7 +1606,7 @@
           <a:p>
             <a:fld id="{EE38784C-7122-485F-8BC7-E99E888B41F8}" type="datetimeFigureOut">
               <a:rPr lang="pt-BR" smtClean="0"/>
-              <a:t>27/05/2025</a:t>
+              <a:t>28/05/2025</a:t>
             </a:fld>
             <a:endParaRPr lang="pt-BR"/>
           </a:p>
@@ -1724,7 +1724,7 @@
           <a:p>
             <a:fld id="{EE38784C-7122-485F-8BC7-E99E888B41F8}" type="datetimeFigureOut">
               <a:rPr lang="pt-BR" smtClean="0"/>
-              <a:t>27/05/2025</a:t>
+              <a:t>28/05/2025</a:t>
             </a:fld>
             <a:endParaRPr lang="pt-BR"/>
           </a:p>
@@ -1819,7 +1819,7 @@
           <a:p>
             <a:fld id="{EE38784C-7122-485F-8BC7-E99E888B41F8}" type="datetimeFigureOut">
               <a:rPr lang="pt-BR" smtClean="0"/>
-              <a:t>27/05/2025</a:t>
+              <a:t>28/05/2025</a:t>
             </a:fld>
             <a:endParaRPr lang="pt-BR"/>
           </a:p>
@@ -2096,7 +2096,7 @@
           <a:p>
             <a:fld id="{EE38784C-7122-485F-8BC7-E99E888B41F8}" type="datetimeFigureOut">
               <a:rPr lang="pt-BR" smtClean="0"/>
-              <a:t>27/05/2025</a:t>
+              <a:t>28/05/2025</a:t>
             </a:fld>
             <a:endParaRPr lang="pt-BR"/>
           </a:p>
@@ -2353,7 +2353,7 @@
           <a:p>
             <a:fld id="{EE38784C-7122-485F-8BC7-E99E888B41F8}" type="datetimeFigureOut">
               <a:rPr lang="pt-BR" smtClean="0"/>
-              <a:t>27/05/2025</a:t>
+              <a:t>28/05/2025</a:t>
             </a:fld>
             <a:endParaRPr lang="pt-BR"/>
           </a:p>
@@ -2566,7 +2566,7 @@
           <a:p>
             <a:fld id="{EE38784C-7122-485F-8BC7-E99E888B41F8}" type="datetimeFigureOut">
               <a:rPr lang="pt-BR" smtClean="0"/>
-              <a:t>27/05/2025</a:t>
+              <a:t>28/05/2025</a:t>
             </a:fld>
             <a:endParaRPr lang="pt-BR"/>
           </a:p>
@@ -3368,18 +3368,11 @@
             <a:r>
               <a:rPr lang="pt-BR" sz="6000" dirty="0">
                 <a:effectLst/>
-                <a:latin typeface="Arial" panose="020B0604020202020204" pitchFamily="34" charset="0"/>
                 <a:ea typeface="Calibri" panose="020F0502020204030204" pitchFamily="34" charset="0"/>
                 <a:cs typeface="Times New Roman" panose="02020603050405020304" pitchFamily="18" charset="0"/>
               </a:rPr>
               <a:t>Play2Learn: Plataforma Web Gamificada como Ferramenta Pedagógica para o Ensino Médio</a:t>
             </a:r>
-            <a:endParaRPr lang="pt-BR" sz="6000" dirty="0">
-              <a:effectLst/>
-              <a:latin typeface="Calibri" panose="020F0502020204030204" pitchFamily="34" charset="0"/>
-              <a:ea typeface="Calibri" panose="020F0502020204030204" pitchFamily="34" charset="0"/>
-              <a:cs typeface="Times New Roman" panose="02020603050405020304" pitchFamily="18" charset="0"/>
-            </a:endParaRPr>
           </a:p>
         </p:txBody>
       </p:sp>

--- a/liceu/3semestre/projeto integrador/Banner tcc.pptx
+++ b/liceu/3semestre/projeto integrador/Banner tcc.pptx
@@ -243,7 +243,7 @@
           <a:p>
             <a:fld id="{EE38784C-7122-485F-8BC7-E99E888B41F8}" type="datetimeFigureOut">
               <a:rPr lang="pt-BR" smtClean="0"/>
-              <a:t>28/05/2025</a:t>
+              <a:t>29/05/2025</a:t>
             </a:fld>
             <a:endParaRPr lang="pt-BR"/>
           </a:p>
@@ -413,7 +413,7 @@
           <a:p>
             <a:fld id="{EE38784C-7122-485F-8BC7-E99E888B41F8}" type="datetimeFigureOut">
               <a:rPr lang="pt-BR" smtClean="0"/>
-              <a:t>28/05/2025</a:t>
+              <a:t>29/05/2025</a:t>
             </a:fld>
             <a:endParaRPr lang="pt-BR"/>
           </a:p>
@@ -593,7 +593,7 @@
           <a:p>
             <a:fld id="{EE38784C-7122-485F-8BC7-E99E888B41F8}" type="datetimeFigureOut">
               <a:rPr lang="pt-BR" smtClean="0"/>
-              <a:t>28/05/2025</a:t>
+              <a:t>29/05/2025</a:t>
             </a:fld>
             <a:endParaRPr lang="pt-BR"/>
           </a:p>
@@ -763,7 +763,7 @@
           <a:p>
             <a:fld id="{EE38784C-7122-485F-8BC7-E99E888B41F8}" type="datetimeFigureOut">
               <a:rPr lang="pt-BR" smtClean="0"/>
-              <a:t>28/05/2025</a:t>
+              <a:t>29/05/2025</a:t>
             </a:fld>
             <a:endParaRPr lang="pt-BR"/>
           </a:p>
@@ -1007,7 +1007,7 @@
           <a:p>
             <a:fld id="{EE38784C-7122-485F-8BC7-E99E888B41F8}" type="datetimeFigureOut">
               <a:rPr lang="pt-BR" smtClean="0"/>
-              <a:t>28/05/2025</a:t>
+              <a:t>29/05/2025</a:t>
             </a:fld>
             <a:endParaRPr lang="pt-BR"/>
           </a:p>
@@ -1239,7 +1239,7 @@
           <a:p>
             <a:fld id="{EE38784C-7122-485F-8BC7-E99E888B41F8}" type="datetimeFigureOut">
               <a:rPr lang="pt-BR" smtClean="0"/>
-              <a:t>28/05/2025</a:t>
+              <a:t>29/05/2025</a:t>
             </a:fld>
             <a:endParaRPr lang="pt-BR"/>
           </a:p>
@@ -1606,7 +1606,7 @@
           <a:p>
             <a:fld id="{EE38784C-7122-485F-8BC7-E99E888B41F8}" type="datetimeFigureOut">
               <a:rPr lang="pt-BR" smtClean="0"/>
-              <a:t>28/05/2025</a:t>
+              <a:t>29/05/2025</a:t>
             </a:fld>
             <a:endParaRPr lang="pt-BR"/>
           </a:p>
@@ -1724,7 +1724,7 @@
           <a:p>
             <a:fld id="{EE38784C-7122-485F-8BC7-E99E888B41F8}" type="datetimeFigureOut">
               <a:rPr lang="pt-BR" smtClean="0"/>
-              <a:t>28/05/2025</a:t>
+              <a:t>29/05/2025</a:t>
             </a:fld>
             <a:endParaRPr lang="pt-BR"/>
           </a:p>
@@ -1819,7 +1819,7 @@
           <a:p>
             <a:fld id="{EE38784C-7122-485F-8BC7-E99E888B41F8}" type="datetimeFigureOut">
               <a:rPr lang="pt-BR" smtClean="0"/>
-              <a:t>28/05/2025</a:t>
+              <a:t>29/05/2025</a:t>
             </a:fld>
             <a:endParaRPr lang="pt-BR"/>
           </a:p>
@@ -2096,7 +2096,7 @@
           <a:p>
             <a:fld id="{EE38784C-7122-485F-8BC7-E99E888B41F8}" type="datetimeFigureOut">
               <a:rPr lang="pt-BR" smtClean="0"/>
-              <a:t>28/05/2025</a:t>
+              <a:t>29/05/2025</a:t>
             </a:fld>
             <a:endParaRPr lang="pt-BR"/>
           </a:p>
@@ -2353,7 +2353,7 @@
           <a:p>
             <a:fld id="{EE38784C-7122-485F-8BC7-E99E888B41F8}" type="datetimeFigureOut">
               <a:rPr lang="pt-BR" smtClean="0"/>
-              <a:t>28/05/2025</a:t>
+              <a:t>29/05/2025</a:t>
             </a:fld>
             <a:endParaRPr lang="pt-BR"/>
           </a:p>
@@ -2566,7 +2566,7 @@
           <a:p>
             <a:fld id="{EE38784C-7122-485F-8BC7-E99E888B41F8}" type="datetimeFigureOut">
               <a:rPr lang="pt-BR" smtClean="0"/>
-              <a:t>28/05/2025</a:t>
+              <a:t>29/05/2025</a:t>
             </a:fld>
             <a:endParaRPr lang="pt-BR"/>
           </a:p>
@@ -3364,7 +3364,7 @@
           <a:bodyPr rtlCol="0" anchor="ctr"/>
           <a:lstStyle/>
           <a:p>
-            <a:pPr algn="just"/>
+            <a:pPr algn="ctr"/>
             <a:r>
               <a:rPr lang="pt-BR" sz="6000" dirty="0">
                 <a:effectLst/>
